--- a/slides/0111Recitation.pptx
+++ b/slides/0111Recitation.pptx
@@ -5,7 +5,7 @@
     <p:sldMasterId id="2147483648" r:id="rId1"/>
   </p:sldMasterIdLst>
   <p:notesMasterIdLst>
-    <p:notesMasterId r:id="rId12"/>
+    <p:notesMasterId r:id="rId11"/>
   </p:notesMasterIdLst>
   <p:sldIdLst>
     <p:sldId id="256" r:id="rId2"/>
@@ -17,7 +17,6 @@
     <p:sldId id="294" r:id="rId8"/>
     <p:sldId id="295" r:id="rId9"/>
     <p:sldId id="296" r:id="rId10"/>
-    <p:sldId id="289" r:id="rId11"/>
   </p:sldIdLst>
   <p:sldSz cx="12192000" cy="6858000"/>
   <p:notesSz cx="6858000" cy="9144000"/>
@@ -6477,110 +6476,6 @@
 </p:sld>
 </file>
 
-<file path=ppt/slides/slide10.xml><?xml version="1.0" encoding="utf-8"?>
-<p:sld xmlns:a="http://schemas.openxmlformats.org/drawingml/2006/main" xmlns:r="http://schemas.openxmlformats.org/officeDocument/2006/relationships" xmlns:p="http://schemas.openxmlformats.org/presentationml/2006/main">
-  <p:cSld>
-    <p:spTree>
-      <p:nvGrpSpPr>
-        <p:cNvPr id="1" name=""/>
-        <p:cNvGrpSpPr/>
-        <p:nvPr/>
-      </p:nvGrpSpPr>
-      <p:grpSpPr>
-        <a:xfrm>
-          <a:off x="0" y="0"/>
-          <a:ext cx="0" cy="0"/>
-          <a:chOff x="0" y="0"/>
-          <a:chExt cx="0" cy="0"/>
-        </a:xfrm>
-      </p:grpSpPr>
-      <p:sp>
-        <p:nvSpPr>
-          <p:cNvPr id="2" name="Title 1">
-            <a:extLst>
-              <a:ext uri="{FF2B5EF4-FFF2-40B4-BE49-F238E27FC236}">
-                <a16:creationId xmlns:a16="http://schemas.microsoft.com/office/drawing/2014/main" id="{F35211AB-BC5C-4CFA-AB64-DE8F1C74BADF}"/>
-              </a:ext>
-            </a:extLst>
-          </p:cNvPr>
-          <p:cNvSpPr>
-            <a:spLocks noGrp="1"/>
-          </p:cNvSpPr>
-          <p:nvPr>
-            <p:ph type="title"/>
-          </p:nvPr>
-        </p:nvSpPr>
-        <p:spPr/>
-        <p:txBody>
-          <a:bodyPr/>
-          <a:lstStyle/>
-          <a:p>
-            <a:r>
-              <a:rPr lang="en-US" dirty="0"/>
-              <a:t>For next week</a:t>
-            </a:r>
-          </a:p>
-        </p:txBody>
-      </p:sp>
-      <p:sp>
-        <p:nvSpPr>
-          <p:cNvPr id="3" name="Content Placeholder 2">
-            <a:extLst>
-              <a:ext uri="{FF2B5EF4-FFF2-40B4-BE49-F238E27FC236}">
-                <a16:creationId xmlns:a16="http://schemas.microsoft.com/office/drawing/2014/main" id="{6F65EC67-9114-4E25-8747-D8EB192FCA18}"/>
-              </a:ext>
-            </a:extLst>
-          </p:cNvPr>
-          <p:cNvSpPr>
-            <a:spLocks noGrp="1"/>
-          </p:cNvSpPr>
-          <p:nvPr>
-            <p:ph idx="1"/>
-          </p:nvPr>
-        </p:nvSpPr>
-        <p:spPr/>
-        <p:txBody>
-          <a:bodyPr/>
-          <a:lstStyle/>
-          <a:p>
-            <a:r>
-              <a:rPr lang="en-US" dirty="0"/>
-              <a:t>Next week will be extended office hours in preparation for your final project</a:t>
-            </a:r>
-          </a:p>
-          <a:p>
-            <a:r>
-              <a:rPr lang="en-US" dirty="0"/>
-              <a:t>All the labs that you may be missing </a:t>
-            </a:r>
-            <a:r>
-              <a:rPr lang="en-US" b="1" dirty="0"/>
-              <a:t>are due Monday, December 6</a:t>
-            </a:r>
-            <a:r>
-              <a:rPr lang="en-US" b="1" baseline="30000" dirty="0"/>
-              <a:t>th</a:t>
-            </a:r>
-            <a:r>
-              <a:rPr lang="en-US" b="1" dirty="0"/>
-              <a:t> at 11:59PM. </a:t>
-            </a:r>
-          </a:p>
-        </p:txBody>
-      </p:sp>
-    </p:spTree>
-    <p:extLst>
-      <p:ext uri="{BB962C8B-B14F-4D97-AF65-F5344CB8AC3E}">
-        <p14:creationId xmlns:p14="http://schemas.microsoft.com/office/powerpoint/2010/main" val="2869068714"/>
-      </p:ext>
-    </p:extLst>
-  </p:cSld>
-  <p:clrMapOvr>
-    <a:masterClrMapping/>
-  </p:clrMapOvr>
-</p:sld>
-</file>
-
 <file path=ppt/slides/slide2.xml><?xml version="1.0" encoding="utf-8"?>
 <p:sld xmlns:a="http://schemas.openxmlformats.org/drawingml/2006/main" xmlns:r="http://schemas.openxmlformats.org/officeDocument/2006/relationships" xmlns:p="http://schemas.openxmlformats.org/presentationml/2006/main">
   <p:cSld>
@@ -6989,9 +6884,16 @@
           </a:p>
           <a:p>
             <a:r>
-              <a:rPr lang="en-US" dirty="0"/>
-              <a:t>Slides: [LINK]</a:t>
-            </a:r>
+              <a:rPr lang="en-US"/>
+              <a:t>Slides (Link on Canvas): </a:t>
+            </a:r>
+            <a:r>
+              <a:rPr lang="en-US" dirty="0">
+                <a:hlinkClick r:id="rId5"/>
+              </a:rPr>
+              <a:t>https://github.com/michaelbartlett17/cmpinf0401-recs</a:t>
+            </a:r>
+            <a:endParaRPr lang="en-US" dirty="0"/>
           </a:p>
         </p:txBody>
       </p:sp>
@@ -7091,6 +6993,12 @@
             <a:r>
               <a:rPr lang="en-US" dirty="0"/>
               <a:t>It is highly encouraged that you come though. We’ll review what you learned and look at the lab that’s assigned.</a:t>
+            </a:r>
+          </a:p>
+          <a:p>
+            <a:r>
+              <a:rPr lang="en-US" dirty="0"/>
+              <a:t>I’ll give a presentation about what you learned in the last week and then leave you time to work on your lab so you can ask questions during the section.</a:t>
             </a:r>
           </a:p>
         </p:txBody>
